--- a/Design/Icon.pptx
+++ b/Design/Icon.pptx
@@ -260,7 +260,7 @@
           <a:p>
             <a:fld id="{B7A9F8F4-92C2-4387-94B5-B1260015B6E4}" type="datetimeFigureOut">
               <a:rPr lang="zh-CN" altLang="en-US" smtClean="0"/>
-              <a:t>2021/10/21</a:t>
+              <a:t>2021/10/23</a:t>
             </a:fld>
             <a:endParaRPr lang="zh-CN" altLang="en-US"/>
           </a:p>
@@ -458,7 +458,7 @@
           <a:p>
             <a:fld id="{B7A9F8F4-92C2-4387-94B5-B1260015B6E4}" type="datetimeFigureOut">
               <a:rPr lang="zh-CN" altLang="en-US" smtClean="0"/>
-              <a:t>2021/10/21</a:t>
+              <a:t>2021/10/23</a:t>
             </a:fld>
             <a:endParaRPr lang="zh-CN" altLang="en-US"/>
           </a:p>
@@ -666,7 +666,7 @@
           <a:p>
             <a:fld id="{B7A9F8F4-92C2-4387-94B5-B1260015B6E4}" type="datetimeFigureOut">
               <a:rPr lang="zh-CN" altLang="en-US" smtClean="0"/>
-              <a:t>2021/10/21</a:t>
+              <a:t>2021/10/23</a:t>
             </a:fld>
             <a:endParaRPr lang="zh-CN" altLang="en-US"/>
           </a:p>
@@ -864,7 +864,7 @@
           <a:p>
             <a:fld id="{B7A9F8F4-92C2-4387-94B5-B1260015B6E4}" type="datetimeFigureOut">
               <a:rPr lang="zh-CN" altLang="en-US" smtClean="0"/>
-              <a:t>2021/10/21</a:t>
+              <a:t>2021/10/23</a:t>
             </a:fld>
             <a:endParaRPr lang="zh-CN" altLang="en-US"/>
           </a:p>
@@ -1139,7 +1139,7 @@
           <a:p>
             <a:fld id="{B7A9F8F4-92C2-4387-94B5-B1260015B6E4}" type="datetimeFigureOut">
               <a:rPr lang="zh-CN" altLang="en-US" smtClean="0"/>
-              <a:t>2021/10/21</a:t>
+              <a:t>2021/10/23</a:t>
             </a:fld>
             <a:endParaRPr lang="zh-CN" altLang="en-US"/>
           </a:p>
@@ -1404,7 +1404,7 @@
           <a:p>
             <a:fld id="{B7A9F8F4-92C2-4387-94B5-B1260015B6E4}" type="datetimeFigureOut">
               <a:rPr lang="zh-CN" altLang="en-US" smtClean="0"/>
-              <a:t>2021/10/21</a:t>
+              <a:t>2021/10/23</a:t>
             </a:fld>
             <a:endParaRPr lang="zh-CN" altLang="en-US"/>
           </a:p>
@@ -1816,7 +1816,7 @@
           <a:p>
             <a:fld id="{B7A9F8F4-92C2-4387-94B5-B1260015B6E4}" type="datetimeFigureOut">
               <a:rPr lang="zh-CN" altLang="en-US" smtClean="0"/>
-              <a:t>2021/10/21</a:t>
+              <a:t>2021/10/23</a:t>
             </a:fld>
             <a:endParaRPr lang="zh-CN" altLang="en-US"/>
           </a:p>
@@ -1957,7 +1957,7 @@
           <a:p>
             <a:fld id="{B7A9F8F4-92C2-4387-94B5-B1260015B6E4}" type="datetimeFigureOut">
               <a:rPr lang="zh-CN" altLang="en-US" smtClean="0"/>
-              <a:t>2021/10/21</a:t>
+              <a:t>2021/10/23</a:t>
             </a:fld>
             <a:endParaRPr lang="zh-CN" altLang="en-US"/>
           </a:p>
@@ -2070,7 +2070,7 @@
           <a:p>
             <a:fld id="{B7A9F8F4-92C2-4387-94B5-B1260015B6E4}" type="datetimeFigureOut">
               <a:rPr lang="zh-CN" altLang="en-US" smtClean="0"/>
-              <a:t>2021/10/21</a:t>
+              <a:t>2021/10/23</a:t>
             </a:fld>
             <a:endParaRPr lang="zh-CN" altLang="en-US"/>
           </a:p>
@@ -2381,7 +2381,7 @@
           <a:p>
             <a:fld id="{B7A9F8F4-92C2-4387-94B5-B1260015B6E4}" type="datetimeFigureOut">
               <a:rPr lang="zh-CN" altLang="en-US" smtClean="0"/>
-              <a:t>2021/10/21</a:t>
+              <a:t>2021/10/23</a:t>
             </a:fld>
             <a:endParaRPr lang="zh-CN" altLang="en-US"/>
           </a:p>
@@ -2669,7 +2669,7 @@
           <a:p>
             <a:fld id="{B7A9F8F4-92C2-4387-94B5-B1260015B6E4}" type="datetimeFigureOut">
               <a:rPr lang="zh-CN" altLang="en-US" smtClean="0"/>
-              <a:t>2021/10/21</a:t>
+              <a:t>2021/10/23</a:t>
             </a:fld>
             <a:endParaRPr lang="zh-CN" altLang="en-US"/>
           </a:p>
@@ -2910,7 +2910,7 @@
           <a:p>
             <a:fld id="{B7A9F8F4-92C2-4387-94B5-B1260015B6E4}" type="datetimeFigureOut">
               <a:rPr lang="zh-CN" altLang="en-US" smtClean="0"/>
-              <a:t>2021/10/21</a:t>
+              <a:t>2021/10/23</a:t>
             </a:fld>
             <a:endParaRPr lang="zh-CN" altLang="en-US"/>
           </a:p>
@@ -3379,6 +3379,58 @@
           </a:p>
         </p:txBody>
       </p:sp>
+      <p:sp>
+        <p:nvSpPr>
+          <p:cNvPr id="3" name="文本框 2">
+            <a:extLst>
+              <a:ext uri="{FF2B5EF4-FFF2-40B4-BE49-F238E27FC236}">
+                <a16:creationId xmlns:a16="http://schemas.microsoft.com/office/drawing/2014/main" id="{334ABAD4-4333-408B-8CAA-55F07F6927F8}"/>
+              </a:ext>
+            </a:extLst>
+          </p:cNvPr>
+          <p:cNvSpPr txBox="1"/>
+          <p:nvPr/>
+        </p:nvSpPr>
+        <p:spPr>
+          <a:xfrm>
+            <a:off x="3130604" y="2232532"/>
+            <a:ext cx="2870200" cy="369332"/>
+          </a:xfrm>
+          <a:prstGeom prst="rect">
+            <a:avLst/>
+          </a:prstGeom>
+          <a:noFill/>
+        </p:spPr>
+        <p:txBody>
+          <a:bodyPr wrap="square" rtlCol="0">
+            <a:spAutoFit/>
+          </a:bodyPr>
+          <a:lstStyle/>
+          <a:p>
+            <a:r>
+              <a:rPr lang="en-US" altLang="zh-CN" b="1" dirty="0">
+                <a:latin typeface="High Tower Text" panose="02040502050506030303" pitchFamily="18" charset="0"/>
+              </a:rPr>
+              <a:t>IESSR</a:t>
+            </a:r>
+            <a:r>
+              <a:rPr lang="en-US" altLang="zh-CN" b="1" dirty="0">
+                <a:solidFill>
+                  <a:srgbClr val="C00000"/>
+                </a:solidFill>
+                <a:latin typeface="High Tower Text" panose="02040502050506030303" pitchFamily="18" charset="0"/>
+              </a:rPr>
+              <a:t>.TOOLS.DESKTOP</a:t>
+            </a:r>
+            <a:endParaRPr lang="zh-CN" altLang="en-US" b="1" dirty="0">
+              <a:solidFill>
+                <a:srgbClr val="C00000"/>
+              </a:solidFill>
+              <a:latin typeface="High Tower Text" panose="02040502050506030303" pitchFamily="18" charset="0"/>
+            </a:endParaRPr>
+          </a:p>
+        </p:txBody>
+      </p:sp>
     </p:spTree>
     <p:extLst>
       <p:ext uri="{BB962C8B-B14F-4D97-AF65-F5344CB8AC3E}">
@@ -3471,6 +3523,58 @@
               <a:srgbClr val="FFFFFF"/>
             </a:contourClr>
           </a:sp3d>
+        </p:spPr>
+      </p:pic>
+      <p:pic>
+        <p:nvPicPr>
+          <p:cNvPr id="3" name="图形 2" descr="天王星 纯色填充">
+            <a:extLst>
+              <a:ext uri="{FF2B5EF4-FFF2-40B4-BE49-F238E27FC236}">
+                <a16:creationId xmlns:a16="http://schemas.microsoft.com/office/drawing/2014/main" id="{D40E13B3-38CF-47A9-A6DF-54CEED8077AB}"/>
+              </a:ext>
+            </a:extLst>
+          </p:cNvPr>
+          <p:cNvPicPr>
+            <a:picLocks noChangeAspect="1"/>
+          </p:cNvPicPr>
+          <p:nvPr/>
+        </p:nvPicPr>
+        <p:blipFill>
+          <a:blip r:embed="rId4">
+            <a:extLst>
+              <a:ext uri="{28A0092B-C50C-407E-A947-70E740481C1C}">
+                <a14:useLocalDpi xmlns:a14="http://schemas.microsoft.com/office/drawing/2010/main" val="0"/>
+              </a:ext>
+              <a:ext uri="{96DAC541-7B7A-43D3-8B79-37D633B846F1}">
+                <asvg:svgBlip xmlns:asvg="http://schemas.microsoft.com/office/drawing/2016/SVG/main" r:embed="rId5"/>
+              </a:ext>
+            </a:extLst>
+          </a:blip>
+          <a:stretch>
+            <a:fillRect/>
+          </a:stretch>
+        </p:blipFill>
+        <p:spPr>
+          <a:xfrm>
+            <a:off x="6514780" y="482173"/>
+            <a:ext cx="5803200" cy="5803200"/>
+          </a:xfrm>
+          <a:prstGeom prst="rect">
+            <a:avLst/>
+          </a:prstGeom>
+          <a:effectLst>
+            <a:glow rad="101600">
+              <a:schemeClr val="bg1">
+                <a:lumMod val="65000"/>
+                <a:alpha val="60000"/>
+              </a:schemeClr>
+            </a:glow>
+            <a:outerShdw blurRad="76200" dir="18900000" sy="23000" kx="-1200000" algn="bl" rotWithShape="0">
+              <a:prstClr val="black">
+                <a:alpha val="20000"/>
+              </a:prstClr>
+            </a:outerShdw>
+          </a:effectLst>
         </p:spPr>
       </p:pic>
     </p:spTree>
